--- a/experiments/b_wide/Implement/plan_implementation.pptx
+++ b/experiments/b_wide/Implement/plan_implementation.pptx
@@ -7,12 +7,13 @@
   <p:sldIdLst>
     <p:sldId id="256" r:id="rId2"/>
     <p:sldId id="257" r:id="rId3"/>
-    <p:sldId id="258" r:id="rId4"/>
-    <p:sldId id="259" r:id="rId5"/>
+    <p:sldId id="259" r:id="rId4"/>
+    <p:sldId id="258" r:id="rId5"/>
     <p:sldId id="260" r:id="rId6"/>
     <p:sldId id="263" r:id="rId7"/>
     <p:sldId id="262" r:id="rId8"/>
     <p:sldId id="261" r:id="rId9"/>
+    <p:sldId id="264" r:id="rId10"/>
   </p:sldIdLst>
   <p:sldSz cx="12192000" cy="6858000"/>
   <p:notesSz cx="6858000" cy="9144000"/>
@@ -145,6 +146,20 @@
 </p:cmLst>
 </file>
 
+<file path=ppt/comments/comment2.xml><?xml version="1.0" encoding="utf-8"?>
+<p:cmLst xmlns:a="http://schemas.openxmlformats.org/drawingml/2006/main" xmlns:r="http://schemas.openxmlformats.org/officeDocument/2006/relationships" xmlns:p="http://schemas.openxmlformats.org/presentationml/2006/main">
+  <p:cm authorId="1" dt="2020-12-11T13:48:49.795" idx="1">
+    <p:pos x="4205" y="2027"/>
+    <p:text>母集団分布を意識することは、良い分類能力の実現に役に立つ</p:text>
+    <p:extLst>
+      <p:ext uri="{C676402C-5697-4E1C-873F-D02D1690AC5C}">
+        <p15:threadingInfo xmlns:p15="http://schemas.microsoft.com/office/powerpoint/2012/main" timeZoneBias="-540"/>
+      </p:ext>
+    </p:extLst>
+  </p:cm>
+</p:cmLst>
+</file>
+
 <file path=ppt/slideLayouts/slideLayout1.xml><?xml version="1.0" encoding="utf-8"?>
 <p:sldLayout xmlns:a="http://schemas.openxmlformats.org/drawingml/2006/main" xmlns:r="http://schemas.openxmlformats.org/officeDocument/2006/relationships" xmlns:p="http://schemas.openxmlformats.org/presentationml/2006/main" type="title" preserve="1">
   <p:cSld name="タイトル スライド">
@@ -292,7 +307,7 @@
           <a:p>
             <a:fld id="{A70653ED-BBBB-5042-AAE2-83784CAA6A40}" type="datetimeFigureOut">
               <a:rPr kumimoji="1" lang="ja-JP" altLang="en-US" smtClean="0"/>
-              <a:t>2020/12/10</a:t>
+              <a:t>2020/12/16</a:t>
             </a:fld>
             <a:endParaRPr kumimoji="1" lang="ja-JP" altLang="en-US"/>
           </a:p>
@@ -522,7 +537,7 @@
           <a:p>
             <a:fld id="{A70653ED-BBBB-5042-AAE2-83784CAA6A40}" type="datetimeFigureOut">
               <a:rPr kumimoji="1" lang="ja-JP" altLang="en-US" smtClean="0"/>
-              <a:t>2020/12/10</a:t>
+              <a:t>2020/12/16</a:t>
             </a:fld>
             <a:endParaRPr kumimoji="1" lang="ja-JP" altLang="en-US"/>
           </a:p>
@@ -762,7 +777,7 @@
           <a:p>
             <a:fld id="{A70653ED-BBBB-5042-AAE2-83784CAA6A40}" type="datetimeFigureOut">
               <a:rPr kumimoji="1" lang="ja-JP" altLang="en-US" smtClean="0"/>
-              <a:t>2020/12/10</a:t>
+              <a:t>2020/12/16</a:t>
             </a:fld>
             <a:endParaRPr kumimoji="1" lang="ja-JP" altLang="en-US"/>
           </a:p>
@@ -992,7 +1007,7 @@
           <a:p>
             <a:fld id="{A70653ED-BBBB-5042-AAE2-83784CAA6A40}" type="datetimeFigureOut">
               <a:rPr kumimoji="1" lang="ja-JP" altLang="en-US" smtClean="0"/>
-              <a:t>2020/12/10</a:t>
+              <a:t>2020/12/16</a:t>
             </a:fld>
             <a:endParaRPr kumimoji="1" lang="ja-JP" altLang="en-US"/>
           </a:p>
@@ -1267,7 +1282,7 @@
           <a:p>
             <a:fld id="{A70653ED-BBBB-5042-AAE2-83784CAA6A40}" type="datetimeFigureOut">
               <a:rPr kumimoji="1" lang="ja-JP" altLang="en-US" smtClean="0"/>
-              <a:t>2020/12/10</a:t>
+              <a:t>2020/12/16</a:t>
             </a:fld>
             <a:endParaRPr kumimoji="1" lang="ja-JP" altLang="en-US"/>
           </a:p>
@@ -1596,7 +1611,7 @@
           <a:p>
             <a:fld id="{A70653ED-BBBB-5042-AAE2-83784CAA6A40}" type="datetimeFigureOut">
               <a:rPr kumimoji="1" lang="ja-JP" altLang="en-US" smtClean="0"/>
-              <a:t>2020/12/10</a:t>
+              <a:t>2020/12/16</a:t>
             </a:fld>
             <a:endParaRPr kumimoji="1" lang="ja-JP" altLang="en-US"/>
           </a:p>
@@ -2072,7 +2087,7 @@
           <a:p>
             <a:fld id="{A70653ED-BBBB-5042-AAE2-83784CAA6A40}" type="datetimeFigureOut">
               <a:rPr kumimoji="1" lang="ja-JP" altLang="en-US" smtClean="0"/>
-              <a:t>2020/12/10</a:t>
+              <a:t>2020/12/16</a:t>
             </a:fld>
             <a:endParaRPr kumimoji="1" lang="ja-JP" altLang="en-US"/>
           </a:p>
@@ -2213,7 +2228,7 @@
           <a:p>
             <a:fld id="{A70653ED-BBBB-5042-AAE2-83784CAA6A40}" type="datetimeFigureOut">
               <a:rPr kumimoji="1" lang="ja-JP" altLang="en-US" smtClean="0"/>
-              <a:t>2020/12/10</a:t>
+              <a:t>2020/12/16</a:t>
             </a:fld>
             <a:endParaRPr kumimoji="1" lang="ja-JP" altLang="en-US"/>
           </a:p>
@@ -2326,7 +2341,7 @@
           <a:p>
             <a:fld id="{A70653ED-BBBB-5042-AAE2-83784CAA6A40}" type="datetimeFigureOut">
               <a:rPr kumimoji="1" lang="ja-JP" altLang="en-US" smtClean="0"/>
-              <a:t>2020/12/10</a:t>
+              <a:t>2020/12/16</a:t>
             </a:fld>
             <a:endParaRPr kumimoji="1" lang="ja-JP" altLang="en-US"/>
           </a:p>
@@ -2669,7 +2684,7 @@
           <a:p>
             <a:fld id="{A70653ED-BBBB-5042-AAE2-83784CAA6A40}" type="datetimeFigureOut">
               <a:rPr kumimoji="1" lang="ja-JP" altLang="en-US" smtClean="0"/>
-              <a:t>2020/12/10</a:t>
+              <a:t>2020/12/16</a:t>
             </a:fld>
             <a:endParaRPr kumimoji="1" lang="ja-JP" altLang="en-US"/>
           </a:p>
@@ -2957,7 +2972,7 @@
           <a:p>
             <a:fld id="{A70653ED-BBBB-5042-AAE2-83784CAA6A40}" type="datetimeFigureOut">
               <a:rPr kumimoji="1" lang="ja-JP" altLang="en-US" smtClean="0"/>
-              <a:t>2020/12/10</a:t>
+              <a:t>2020/12/16</a:t>
             </a:fld>
             <a:endParaRPr kumimoji="1" lang="ja-JP" altLang="en-US"/>
           </a:p>
@@ -3230,7 +3245,7 @@
           <a:p>
             <a:fld id="{A70653ED-BBBB-5042-AAE2-83784CAA6A40}" type="datetimeFigureOut">
               <a:rPr kumimoji="1" lang="ja-JP" altLang="en-US" smtClean="0"/>
-              <a:t>2020/12/10</a:t>
+              <a:t>2020/12/16</a:t>
             </a:fld>
             <a:endParaRPr kumimoji="1" lang="ja-JP" altLang="en-US"/>
           </a:p>
@@ -3696,7 +3711,10 @@
           <a:bodyPr/>
           <a:lstStyle/>
           <a:p>
-            <a:endParaRPr kumimoji="1" lang="ja-JP" altLang="en-US"/>
+            <a:r>
+              <a:rPr kumimoji="1" lang="ja-JP" altLang="en-US"/>
+              <a:t>実装に対して動的に書いていく</a:t>
+            </a:r>
           </a:p>
         </p:txBody>
       </p:sp>
@@ -3856,8 +3874,12 @@
           <a:lstStyle/>
           <a:p>
             <a:r>
-              <a:rPr kumimoji="1" lang="ja-JP" altLang="en-US"/>
-              <a:t>出力層</a:t>
+              <a:rPr lang="ja-JP" altLang="en-US"/>
+              <a:t>入力</a:t>
+            </a:r>
+            <a:r>
+              <a:rPr kumimoji="1" lang="ja-JP" altLang="en-US"/>
+              <a:t>層</a:t>
             </a:r>
           </a:p>
         </p:txBody>
@@ -3890,43 +3912,163 @@
           <a:p>
             <a:r>
               <a:rPr lang="ja-JP" altLang="en-US"/>
-              <a:t>この出力層の名前：</a:t>
+              <a:t>この入力層の名前：</a:t>
             </a:r>
             <a:r>
               <a:rPr lang="en" altLang="ja-JP" b="1" dirty="0"/>
-              <a:t> “classifier”</a:t>
+              <a:t> “ENTRANCE”</a:t>
+            </a:r>
+            <a:endParaRPr kumimoji="1" lang="en-US" altLang="ja-JP" b="1" dirty="0"/>
+          </a:p>
+          <a:p>
+            <a:r>
+              <a:rPr kumimoji="1" lang="ja-JP" altLang="en-US"/>
+              <a:t>入力データの形式：</a:t>
+            </a:r>
+            <a:endParaRPr kumimoji="1" lang="en-US" altLang="ja-JP" dirty="0"/>
+          </a:p>
+          <a:p>
+            <a:pPr lvl="1"/>
+            <a:r>
+              <a:rPr lang="ja-JP" altLang="en-US"/>
+              <a:t>テレビ</a:t>
+            </a:r>
+            <a:r>
+              <a:rPr lang="en-US" altLang="ja-JP" dirty="0"/>
+              <a:t>cm[</a:t>
+            </a:r>
+            <a:r>
+              <a:rPr lang="ja-JP" altLang="en-US"/>
+              <a:t>４次元</a:t>
+            </a:r>
+            <a:r>
+              <a:rPr lang="en-US" altLang="ja-JP" dirty="0"/>
+              <a:t> : </a:t>
+            </a:r>
+            <a:r>
+              <a:rPr lang="ja-JP" altLang="en-US"/>
+              <a:t>動画</a:t>
+            </a:r>
+            <a:r>
+              <a:rPr lang="en-US" altLang="ja-JP" dirty="0"/>
+              <a:t>]</a:t>
+            </a:r>
+            <a:r>
+              <a:rPr lang="ja-JP" altLang="en-US"/>
+              <a:t>＝画像サイズ</a:t>
+            </a:r>
+            <a:r>
+              <a:rPr lang="en-US" altLang="ja-JP" dirty="0"/>
+              <a:t>(</a:t>
+            </a:r>
+            <a:r>
+              <a:rPr lang="ja-JP" altLang="en-US"/>
+              <a:t>縦</a:t>
+            </a:r>
+            <a:r>
+              <a:rPr lang="en-US" altLang="ja-JP" dirty="0"/>
+              <a:t>, </a:t>
+            </a:r>
+            <a:r>
+              <a:rPr lang="ja-JP" altLang="en-US"/>
+              <a:t>横</a:t>
+            </a:r>
+            <a:r>
+              <a:rPr lang="en-US" altLang="ja-JP" dirty="0"/>
+              <a:t>)</a:t>
+            </a:r>
+            <a:r>
+              <a:rPr lang="ja-JP" altLang="en-US"/>
+              <a:t>・画像枚数・</a:t>
+            </a:r>
+            <a:r>
+              <a:rPr lang="en-US" altLang="ja-JP" dirty="0"/>
+              <a:t> RGB</a:t>
+            </a:r>
+            <a:r>
+              <a:rPr lang="ja-JP" altLang="en-US"/>
+              <a:t>情報</a:t>
             </a:r>
             <a:endParaRPr lang="en-US" altLang="ja-JP" dirty="0"/>
           </a:p>
           <a:p>
+            <a:pPr lvl="2"/>
             <a:r>
               <a:rPr lang="ja-JP" altLang="en-US"/>
-              <a:t>ノード数（分類したい数）：３</a:t>
+              <a:t>画像サイズ</a:t>
+            </a:r>
+            <a:r>
+              <a:rPr lang="en-US" altLang="ja-JP" dirty="0"/>
+              <a:t>(</a:t>
+            </a:r>
+            <a:r>
+              <a:rPr lang="ja-JP" altLang="en-US"/>
+              <a:t>縦</a:t>
+            </a:r>
+            <a:r>
+              <a:rPr lang="en-US" altLang="ja-JP" dirty="0"/>
+              <a:t>, </a:t>
+            </a:r>
+            <a:r>
+              <a:rPr lang="ja-JP" altLang="en-US"/>
+              <a:t>横</a:t>
+            </a:r>
+            <a:r>
+              <a:rPr lang="en-US" altLang="ja-JP" dirty="0"/>
+              <a:t>) </a:t>
+            </a:r>
+            <a:r>
+              <a:rPr lang="en-US" altLang="ja-JP"/>
+              <a:t>: (240 x ) </a:t>
             </a:r>
             <a:endParaRPr lang="en-US" altLang="ja-JP" dirty="0"/>
           </a:p>
           <a:p>
+            <a:pPr lvl="2"/>
+            <a:r>
+              <a:rPr lang="ja-JP" altLang="en-US"/>
+              <a:t>画像枚数：</a:t>
+            </a:r>
+            <a:r>
+              <a:rPr lang="en-US" altLang="ja-JP" dirty="0"/>
+              <a:t>80</a:t>
+            </a:r>
+          </a:p>
+          <a:p>
+            <a:pPr lvl="2"/>
+            <a:r>
+              <a:rPr lang="en-US" altLang="ja-JP" dirty="0"/>
+              <a:t>RGB</a:t>
+            </a:r>
+            <a:r>
+              <a:rPr lang="ja-JP" altLang="en-US"/>
+              <a:t>情報：</a:t>
+            </a:r>
+            <a:r>
+              <a:rPr lang="en-US" altLang="ja-JP" dirty="0"/>
+              <a:t>3</a:t>
+            </a:r>
+          </a:p>
+          <a:p>
+            <a:pPr lvl="2"/>
+            <a:endParaRPr lang="en-US" altLang="ja-JP" dirty="0"/>
+          </a:p>
+          <a:p>
+            <a:pPr marL="914400" lvl="2" indent="0">
+              <a:buNone/>
+            </a:pPr>
+            <a:r>
+              <a:rPr kumimoji="1" lang="en-US" altLang="ja-JP" dirty="0"/>
+              <a:t>=</a:t>
+            </a:r>
+            <a:r>
+              <a:rPr lang="en-US" altLang="ja-JP" dirty="0"/>
+              <a:t> (30 x 45) x 80 x 3 = </a:t>
+            </a:r>
+            <a:endParaRPr kumimoji="1" lang="en-US" altLang="ja-JP" dirty="0"/>
+          </a:p>
+          <a:p>
             <a:pPr lvl="1"/>
-            <a:r>
-              <a:rPr lang="ja-JP" altLang="en-US"/>
-              <a:t>飲料</a:t>
-            </a:r>
-            <a:endParaRPr lang="en-US" altLang="ja-JP" dirty="0"/>
-          </a:p>
-          <a:p>
-            <a:pPr lvl="1"/>
-            <a:r>
-              <a:rPr lang="ja-JP" altLang="en-US"/>
-              <a:t>番組の予告</a:t>
-            </a:r>
-            <a:endParaRPr lang="en-US" altLang="ja-JP" dirty="0"/>
-          </a:p>
-          <a:p>
-            <a:pPr lvl="1"/>
-            <a:r>
-              <a:rPr lang="ja-JP" altLang="en-US"/>
-              <a:t>上記に当てはまらない他の、促進または販売を意図した商品やサービスあるいは考え。</a:t>
-            </a:r>
             <a:endParaRPr lang="en-US" altLang="ja-JP" dirty="0"/>
           </a:p>
           <a:p>
@@ -3936,12 +4078,76 @@
             <a:endParaRPr kumimoji="1" lang="en-US" altLang="ja-JP" dirty="0"/>
           </a:p>
           <a:p>
-            <a:r>
-              <a:rPr kumimoji="1" lang="ja-JP" altLang="en-US"/>
-              <a:t>使用する活性化関数：ソフトマックス関数</a:t>
-            </a:r>
+            <a:pPr marL="457200" lvl="1" indent="0">
+              <a:buNone/>
+            </a:pPr>
             <a:endParaRPr kumimoji="1" lang="en-US" altLang="ja-JP" dirty="0"/>
           </a:p>
+          <a:p>
+            <a:pPr lvl="1"/>
+            <a:endParaRPr kumimoji="1" lang="ja-JP" altLang="en-US"/>
+          </a:p>
+        </p:txBody>
+      </p:sp>
+      <p:sp>
+        <p:nvSpPr>
+          <p:cNvPr id="5" name="テキスト ボックス 4">
+            <a:extLst>
+              <a:ext uri="{FF2B5EF4-FFF2-40B4-BE49-F238E27FC236}">
+                <a16:creationId xmlns:a16="http://schemas.microsoft.com/office/drawing/2014/main" id="{32D47D5C-BF38-6F48-9A22-DD0C23E1160F}"/>
+              </a:ext>
+            </a:extLst>
+          </p:cNvPr>
+          <p:cNvSpPr txBox="1"/>
+          <p:nvPr/>
+        </p:nvSpPr>
+        <p:spPr>
+          <a:xfrm>
+            <a:off x="4572000" y="4211053"/>
+            <a:ext cx="184731" cy="369332"/>
+          </a:xfrm>
+          <a:prstGeom prst="rect">
+            <a:avLst/>
+          </a:prstGeom>
+          <a:noFill/>
+        </p:spPr>
+        <p:txBody>
+          <a:bodyPr wrap="none" rtlCol="0">
+            <a:spAutoFit/>
+          </a:bodyPr>
+          <a:lstStyle/>
+          <a:p>
+            <a:endParaRPr kumimoji="1" lang="ja-JP" altLang="en-US"/>
+          </a:p>
+        </p:txBody>
+      </p:sp>
+      <p:sp>
+        <p:nvSpPr>
+          <p:cNvPr id="6" name="テキスト ボックス 5">
+            <a:extLst>
+              <a:ext uri="{FF2B5EF4-FFF2-40B4-BE49-F238E27FC236}">
+                <a16:creationId xmlns:a16="http://schemas.microsoft.com/office/drawing/2014/main" id="{FA503605-6BD9-D549-9B85-DB11E435DDA0}"/>
+              </a:ext>
+            </a:extLst>
+          </p:cNvPr>
+          <p:cNvSpPr txBox="1"/>
+          <p:nvPr/>
+        </p:nvSpPr>
+        <p:spPr>
+          <a:xfrm>
+            <a:off x="4596063" y="2189747"/>
+            <a:ext cx="184731" cy="369332"/>
+          </a:xfrm>
+          <a:prstGeom prst="rect">
+            <a:avLst/>
+          </a:prstGeom>
+          <a:noFill/>
+        </p:spPr>
+        <p:txBody>
+          <a:bodyPr wrap="none" rtlCol="0">
+            <a:spAutoFit/>
+          </a:bodyPr>
+          <a:lstStyle/>
           <a:p>
             <a:endParaRPr kumimoji="1" lang="ja-JP" altLang="en-US"/>
           </a:p>
@@ -3950,7 +4156,7 @@
     </p:spTree>
     <p:extLst>
       <p:ext uri="{BB962C8B-B14F-4D97-AF65-F5344CB8AC3E}">
-        <p14:creationId xmlns:p14="http://schemas.microsoft.com/office/powerpoint/2010/main" val="1768978845"/>
+        <p14:creationId xmlns:p14="http://schemas.microsoft.com/office/powerpoint/2010/main" val="1667885840"/>
       </p:ext>
     </p:extLst>
   </p:cSld>
@@ -3999,12 +4205,8 @@
           <a:lstStyle/>
           <a:p>
             <a:r>
-              <a:rPr lang="ja-JP" altLang="en-US"/>
-              <a:t>入力</a:t>
-            </a:r>
-            <a:r>
-              <a:rPr kumimoji="1" lang="ja-JP" altLang="en-US"/>
-              <a:t>層</a:t>
+              <a:rPr kumimoji="1" lang="ja-JP" altLang="en-US"/>
+              <a:t>出力層</a:t>
             </a:r>
           </a:p>
         </p:txBody>
@@ -4037,237 +4239,31 @@
           <a:p>
             <a:r>
               <a:rPr lang="ja-JP" altLang="en-US"/>
-              <a:t>この入力層の名前：</a:t>
+              <a:t>この出力層の名前：</a:t>
             </a:r>
             <a:r>
               <a:rPr lang="en" altLang="ja-JP" b="1" dirty="0"/>
-              <a:t> “entrance”</a:t>
-            </a:r>
+              <a:t> “WATERSUPPLY”</a:t>
+            </a:r>
+            <a:endParaRPr lang="en-US" altLang="ja-JP" dirty="0"/>
+          </a:p>
+          <a:p>
+            <a:r>
+              <a:rPr lang="ja-JP" altLang="en-US"/>
+              <a:t>ノード数（分類したい数）：３</a:t>
+            </a:r>
+            <a:endParaRPr lang="en-US" altLang="ja-JP" dirty="0"/>
+          </a:p>
+          <a:p>
             <a:endParaRPr kumimoji="1" lang="en-US" altLang="ja-JP" dirty="0"/>
           </a:p>
           <a:p>
             <a:r>
               <a:rPr kumimoji="1" lang="ja-JP" altLang="en-US"/>
-              <a:t>入力データの形式：</a:t>
+              <a:t>使用する活性化関数：ソフトマックス関数</a:t>
             </a:r>
             <a:endParaRPr kumimoji="1" lang="en-US" altLang="ja-JP" dirty="0"/>
           </a:p>
-          <a:p>
-            <a:pPr lvl="1"/>
-            <a:r>
-              <a:rPr lang="ja-JP" altLang="en-US"/>
-              <a:t>テレビ</a:t>
-            </a:r>
-            <a:r>
-              <a:rPr lang="en-US" altLang="ja-JP" dirty="0"/>
-              <a:t>cm[</a:t>
-            </a:r>
-            <a:r>
-              <a:rPr lang="ja-JP" altLang="en-US"/>
-              <a:t>４次元</a:t>
-            </a:r>
-            <a:r>
-              <a:rPr lang="en-US" altLang="ja-JP" dirty="0"/>
-              <a:t> : </a:t>
-            </a:r>
-            <a:r>
-              <a:rPr lang="ja-JP" altLang="en-US"/>
-              <a:t>動画</a:t>
-            </a:r>
-            <a:r>
-              <a:rPr lang="en-US" altLang="ja-JP" dirty="0"/>
-              <a:t>]</a:t>
-            </a:r>
-            <a:r>
-              <a:rPr lang="ja-JP" altLang="en-US"/>
-              <a:t>＝画像サイズ</a:t>
-            </a:r>
-            <a:r>
-              <a:rPr lang="en-US" altLang="ja-JP" dirty="0"/>
-              <a:t>(</a:t>
-            </a:r>
-            <a:r>
-              <a:rPr lang="ja-JP" altLang="en-US"/>
-              <a:t>縦</a:t>
-            </a:r>
-            <a:r>
-              <a:rPr lang="en-US" altLang="ja-JP" dirty="0"/>
-              <a:t>, </a:t>
-            </a:r>
-            <a:r>
-              <a:rPr lang="ja-JP" altLang="en-US"/>
-              <a:t>横</a:t>
-            </a:r>
-            <a:r>
-              <a:rPr lang="en-US" altLang="ja-JP" dirty="0"/>
-              <a:t>)</a:t>
-            </a:r>
-            <a:r>
-              <a:rPr lang="ja-JP" altLang="en-US"/>
-              <a:t>・画像枚数・</a:t>
-            </a:r>
-            <a:r>
-              <a:rPr lang="en-US" altLang="ja-JP" dirty="0"/>
-              <a:t> RGB</a:t>
-            </a:r>
-            <a:r>
-              <a:rPr lang="ja-JP" altLang="en-US"/>
-              <a:t>情報</a:t>
-            </a:r>
-            <a:endParaRPr lang="en-US" altLang="ja-JP" dirty="0"/>
-          </a:p>
-          <a:p>
-            <a:pPr lvl="2"/>
-            <a:r>
-              <a:rPr lang="ja-JP" altLang="en-US"/>
-              <a:t>画像サイズ</a:t>
-            </a:r>
-            <a:r>
-              <a:rPr lang="en-US" altLang="ja-JP" dirty="0"/>
-              <a:t>(</a:t>
-            </a:r>
-            <a:r>
-              <a:rPr lang="ja-JP" altLang="en-US"/>
-              <a:t>縦</a:t>
-            </a:r>
-            <a:r>
-              <a:rPr lang="en-US" altLang="ja-JP" dirty="0"/>
-              <a:t>, </a:t>
-            </a:r>
-            <a:r>
-              <a:rPr lang="ja-JP" altLang="en-US"/>
-              <a:t>横</a:t>
-            </a:r>
-            <a:r>
-              <a:rPr lang="en-US" altLang="ja-JP" dirty="0"/>
-              <a:t>) : (30 x 45) </a:t>
-            </a:r>
-          </a:p>
-          <a:p>
-            <a:pPr lvl="2"/>
-            <a:r>
-              <a:rPr lang="ja-JP" altLang="en-US"/>
-              <a:t>画像枚数：</a:t>
-            </a:r>
-            <a:r>
-              <a:rPr lang="en-US" altLang="ja-JP" dirty="0"/>
-              <a:t>80</a:t>
-            </a:r>
-          </a:p>
-          <a:p>
-            <a:pPr lvl="2"/>
-            <a:r>
-              <a:rPr lang="en-US" altLang="ja-JP" dirty="0"/>
-              <a:t>RGB</a:t>
-            </a:r>
-            <a:r>
-              <a:rPr lang="ja-JP" altLang="en-US"/>
-              <a:t>情報：</a:t>
-            </a:r>
-            <a:r>
-              <a:rPr lang="en-US" altLang="ja-JP" dirty="0"/>
-              <a:t>3</a:t>
-            </a:r>
-          </a:p>
-          <a:p>
-            <a:pPr lvl="2"/>
-            <a:endParaRPr lang="en-US" altLang="ja-JP" dirty="0"/>
-          </a:p>
-          <a:p>
-            <a:pPr marL="914400" lvl="2" indent="0">
-              <a:buNone/>
-            </a:pPr>
-            <a:r>
-              <a:rPr kumimoji="1" lang="en-US" altLang="ja-JP" dirty="0"/>
-              <a:t>=</a:t>
-            </a:r>
-            <a:r>
-              <a:rPr lang="en-US" altLang="ja-JP" dirty="0"/>
-              <a:t> (30 x 45) x 80 x 3 = </a:t>
-            </a:r>
-            <a:endParaRPr kumimoji="1" lang="en-US" altLang="ja-JP" dirty="0"/>
-          </a:p>
-          <a:p>
-            <a:pPr lvl="1"/>
-            <a:endParaRPr lang="en-US" altLang="ja-JP" dirty="0"/>
-          </a:p>
-          <a:p>
-            <a:pPr marL="457200" lvl="1" indent="0">
-              <a:buNone/>
-            </a:pPr>
-            <a:endParaRPr kumimoji="1" lang="en-US" altLang="ja-JP" dirty="0"/>
-          </a:p>
-          <a:p>
-            <a:pPr marL="457200" lvl="1" indent="0">
-              <a:buNone/>
-            </a:pPr>
-            <a:endParaRPr kumimoji="1" lang="en-US" altLang="ja-JP" dirty="0"/>
-          </a:p>
-          <a:p>
-            <a:pPr lvl="1"/>
-            <a:endParaRPr kumimoji="1" lang="ja-JP" altLang="en-US"/>
-          </a:p>
-        </p:txBody>
-      </p:sp>
-      <p:sp>
-        <p:nvSpPr>
-          <p:cNvPr id="5" name="テキスト ボックス 4">
-            <a:extLst>
-              <a:ext uri="{FF2B5EF4-FFF2-40B4-BE49-F238E27FC236}">
-                <a16:creationId xmlns:a16="http://schemas.microsoft.com/office/drawing/2014/main" id="{32D47D5C-BF38-6F48-9A22-DD0C23E1160F}"/>
-              </a:ext>
-            </a:extLst>
-          </p:cNvPr>
-          <p:cNvSpPr txBox="1"/>
-          <p:nvPr/>
-        </p:nvSpPr>
-        <p:spPr>
-          <a:xfrm>
-            <a:off x="4572000" y="4211053"/>
-            <a:ext cx="184731" cy="369332"/>
-          </a:xfrm>
-          <a:prstGeom prst="rect">
-            <a:avLst/>
-          </a:prstGeom>
-          <a:noFill/>
-        </p:spPr>
-        <p:txBody>
-          <a:bodyPr wrap="none" rtlCol="0">
-            <a:spAutoFit/>
-          </a:bodyPr>
-          <a:lstStyle/>
-          <a:p>
-            <a:endParaRPr kumimoji="1" lang="ja-JP" altLang="en-US"/>
-          </a:p>
-        </p:txBody>
-      </p:sp>
-      <p:sp>
-        <p:nvSpPr>
-          <p:cNvPr id="6" name="テキスト ボックス 5">
-            <a:extLst>
-              <a:ext uri="{FF2B5EF4-FFF2-40B4-BE49-F238E27FC236}">
-                <a16:creationId xmlns:a16="http://schemas.microsoft.com/office/drawing/2014/main" id="{FA503605-6BD9-D549-9B85-DB11E435DDA0}"/>
-              </a:ext>
-            </a:extLst>
-          </p:cNvPr>
-          <p:cNvSpPr txBox="1"/>
-          <p:nvPr/>
-        </p:nvSpPr>
-        <p:spPr>
-          <a:xfrm>
-            <a:off x="4596063" y="2189747"/>
-            <a:ext cx="184731" cy="369332"/>
-          </a:xfrm>
-          <a:prstGeom prst="rect">
-            <a:avLst/>
-          </a:prstGeom>
-          <a:noFill/>
-        </p:spPr>
-        <p:txBody>
-          <a:bodyPr wrap="none" rtlCol="0">
-            <a:spAutoFit/>
-          </a:bodyPr>
-          <a:lstStyle/>
           <a:p>
             <a:endParaRPr kumimoji="1" lang="ja-JP" altLang="en-US"/>
           </a:p>
@@ -4276,7 +4272,7 @@
     </p:spTree>
     <p:extLst>
       <p:ext uri="{BB962C8B-B14F-4D97-AF65-F5344CB8AC3E}">
-        <p14:creationId xmlns:p14="http://schemas.microsoft.com/office/powerpoint/2010/main" val="1667885840"/>
+        <p14:creationId xmlns:p14="http://schemas.microsoft.com/office/powerpoint/2010/main" val="1768978845"/>
       </p:ext>
     </p:extLst>
   </p:cSld>
@@ -5109,6 +5105,149 @@
     <p:extLst>
       <p:ext uri="{BB962C8B-B14F-4D97-AF65-F5344CB8AC3E}">
         <p14:creationId xmlns:p14="http://schemas.microsoft.com/office/powerpoint/2010/main" val="3362690784"/>
+      </p:ext>
+    </p:extLst>
+  </p:cSld>
+  <p:clrMapOvr>
+    <a:masterClrMapping/>
+  </p:clrMapOvr>
+</p:sld>
+</file>
+
+<file path=ppt/slides/slide9.xml><?xml version="1.0" encoding="utf-8"?>
+<p:sld xmlns:a="http://schemas.openxmlformats.org/drawingml/2006/main" xmlns:r="http://schemas.openxmlformats.org/officeDocument/2006/relationships" xmlns:p="http://schemas.openxmlformats.org/presentationml/2006/main">
+  <p:cSld>
+    <p:spTree>
+      <p:nvGrpSpPr>
+        <p:cNvPr id="1" name=""/>
+        <p:cNvGrpSpPr/>
+        <p:nvPr/>
+      </p:nvGrpSpPr>
+      <p:grpSpPr>
+        <a:xfrm>
+          <a:off x="0" y="0"/>
+          <a:ext cx="0" cy="0"/>
+          <a:chOff x="0" y="0"/>
+          <a:chExt cx="0" cy="0"/>
+        </a:xfrm>
+      </p:grpSpPr>
+      <p:sp>
+        <p:nvSpPr>
+          <p:cNvPr id="2" name="タイトル 1">
+            <a:extLst>
+              <a:ext uri="{FF2B5EF4-FFF2-40B4-BE49-F238E27FC236}">
+                <a16:creationId xmlns:a16="http://schemas.microsoft.com/office/drawing/2014/main" id="{EFC37E61-A40A-4A43-BED7-749B6772008F}"/>
+              </a:ext>
+            </a:extLst>
+          </p:cNvPr>
+          <p:cNvSpPr>
+            <a:spLocks noGrp="1"/>
+          </p:cNvSpPr>
+          <p:nvPr>
+            <p:ph type="title"/>
+          </p:nvPr>
+        </p:nvSpPr>
+        <p:spPr/>
+        <p:txBody>
+          <a:bodyPr/>
+          <a:lstStyle/>
+          <a:p>
+            <a:r>
+              <a:rPr kumimoji="1" lang="ja-JP" altLang="en-US"/>
+              <a:t>出力層</a:t>
+            </a:r>
+          </a:p>
+        </p:txBody>
+      </p:sp>
+      <p:sp>
+        <p:nvSpPr>
+          <p:cNvPr id="3" name="コンテンツ プレースホルダー 2">
+            <a:extLst>
+              <a:ext uri="{FF2B5EF4-FFF2-40B4-BE49-F238E27FC236}">
+                <a16:creationId xmlns:a16="http://schemas.microsoft.com/office/drawing/2014/main" id="{B68895CB-6103-F341-846D-5882A21A67FE}"/>
+              </a:ext>
+            </a:extLst>
+          </p:cNvPr>
+          <p:cNvSpPr>
+            <a:spLocks noGrp="1"/>
+          </p:cNvSpPr>
+          <p:nvPr>
+            <p:ph idx="1"/>
+          </p:nvPr>
+        </p:nvSpPr>
+        <p:spPr>
+          <a:xfrm>
+            <a:off x="838200" y="1825624"/>
+            <a:ext cx="10515600" cy="4406733"/>
+          </a:xfrm>
+        </p:spPr>
+        <p:txBody>
+          <a:bodyPr/>
+          <a:lstStyle/>
+          <a:p>
+            <a:r>
+              <a:rPr lang="ja-JP" altLang="en-US"/>
+              <a:t>この出力層の名前：</a:t>
+            </a:r>
+            <a:r>
+              <a:rPr lang="en" altLang="ja-JP" b="1" dirty="0"/>
+              <a:t> “WATERSUPPLY”</a:t>
+            </a:r>
+            <a:endParaRPr lang="en-US" altLang="ja-JP" dirty="0"/>
+          </a:p>
+          <a:p>
+            <a:r>
+              <a:rPr lang="ja-JP" altLang="en-US"/>
+              <a:t>ノード数（分類したい数）：３</a:t>
+            </a:r>
+            <a:endParaRPr lang="en-US" altLang="ja-JP" dirty="0"/>
+          </a:p>
+          <a:p>
+            <a:pPr lvl="1"/>
+            <a:r>
+              <a:rPr lang="ja-JP" altLang="en-US"/>
+              <a:t>飲料</a:t>
+            </a:r>
+            <a:endParaRPr lang="en-US" altLang="ja-JP" dirty="0"/>
+          </a:p>
+          <a:p>
+            <a:pPr lvl="1"/>
+            <a:r>
+              <a:rPr lang="ja-JP" altLang="en-US"/>
+              <a:t>番組の予告</a:t>
+            </a:r>
+            <a:endParaRPr lang="en-US" altLang="ja-JP" dirty="0"/>
+          </a:p>
+          <a:p>
+            <a:pPr lvl="1"/>
+            <a:r>
+              <a:rPr lang="ja-JP" altLang="en-US"/>
+              <a:t>上記に当てはまらない他の、促進または販売を意図した商品やサービスあるいは考え。</a:t>
+            </a:r>
+            <a:endParaRPr lang="en-US" altLang="ja-JP" dirty="0"/>
+          </a:p>
+          <a:p>
+            <a:pPr marL="457200" lvl="1" indent="0">
+              <a:buNone/>
+            </a:pPr>
+            <a:endParaRPr kumimoji="1" lang="en-US" altLang="ja-JP" dirty="0"/>
+          </a:p>
+          <a:p>
+            <a:r>
+              <a:rPr kumimoji="1" lang="ja-JP" altLang="en-US"/>
+              <a:t>使用する活性化関数：ソフトマックス関数</a:t>
+            </a:r>
+            <a:endParaRPr kumimoji="1" lang="en-US" altLang="ja-JP" dirty="0"/>
+          </a:p>
+          <a:p>
+            <a:endParaRPr kumimoji="1" lang="ja-JP" altLang="en-US"/>
+          </a:p>
+        </p:txBody>
+      </p:sp>
+    </p:spTree>
+    <p:extLst>
+      <p:ext uri="{BB962C8B-B14F-4D97-AF65-F5344CB8AC3E}">
+        <p14:creationId xmlns:p14="http://schemas.microsoft.com/office/powerpoint/2010/main" val="1502521977"/>
       </p:ext>
     </p:extLst>
   </p:cSld>
